--- a/content/CAF/0. Introduction.pptx
+++ b/content/CAF/0. Introduction.pptx
@@ -116,6 +116,35 @@
 </p:presentation>
 </file>
 
+<file path=ppt/changesInfos/changesInfo1.xml><?xml version="1.0" encoding="utf-8"?>
+<pc:chgInfo xmlns:a="http://schemas.openxmlformats.org/drawingml/2006/main" xmlns:r="http://schemas.openxmlformats.org/officeDocument/2006/relationships" xmlns:ac="http://schemas.microsoft.com/office/drawing/2013/main/command" xmlns:pc="http://schemas.microsoft.com/office/powerpoint/2013/main/command">
+  <pc:docChgLst>
+    <pc:chgData name="Matthew Levy" userId="687b95b9-071c-46c3-8399-192c10b763c0" providerId="ADAL" clId="{DF7591B9-8AD6-486C-90B4-D61E62EBC2B0}"/>
+    <pc:docChg chg="modSld">
+      <pc:chgData name="Matthew Levy" userId="687b95b9-071c-46c3-8399-192c10b763c0" providerId="ADAL" clId="{DF7591B9-8AD6-486C-90B4-D61E62EBC2B0}" dt="2020-03-26T14:55:18.022" v="0" actId="1076"/>
+      <pc:docMkLst>
+        <pc:docMk/>
+      </pc:docMkLst>
+      <pc:sldChg chg="modSp mod">
+        <pc:chgData name="Matthew Levy" userId="687b95b9-071c-46c3-8399-192c10b763c0" providerId="ADAL" clId="{DF7591B9-8AD6-486C-90B4-D61E62EBC2B0}" dt="2020-03-26T14:55:18.022" v="0" actId="1076"/>
+        <pc:sldMkLst>
+          <pc:docMk/>
+          <pc:sldMk cId="260978856" sldId="258"/>
+        </pc:sldMkLst>
+        <pc:picChg chg="mod">
+          <ac:chgData name="Matthew Levy" userId="687b95b9-071c-46c3-8399-192c10b763c0" providerId="ADAL" clId="{DF7591B9-8AD6-486C-90B4-D61E62EBC2B0}" dt="2020-03-26T14:55:18.022" v="0" actId="1076"/>
+          <ac:picMkLst>
+            <pc:docMk/>
+            <pc:sldMk cId="260978856" sldId="258"/>
+            <ac:picMk id="6" creationId="{73CBE624-5C37-334E-912D-FA83D40084F0}"/>
+          </ac:picMkLst>
+        </pc:picChg>
+      </pc:sldChg>
+    </pc:docChg>
+  </pc:docChgLst>
+</pc:chgInfo>
+</file>
+
 <file path=ppt/slideLayouts/slideLayout1.xml><?xml version="1.0" encoding="utf-8"?>
 <p:sldLayout xmlns:a="http://schemas.openxmlformats.org/drawingml/2006/main" xmlns:r="http://schemas.openxmlformats.org/officeDocument/2006/relationships" xmlns:p="http://schemas.openxmlformats.org/presentationml/2006/main" type="title" preserve="1">
   <p:cSld name="Title Slide">
@@ -265,7 +294,7 @@
           <a:p>
             <a:fld id="{766927D6-957D-304E-8ACA-BA097D129572}" type="datetimeFigureOut">
               <a:rPr lang="en-US" smtClean="0"/>
-              <a:t>3/26/20</a:t>
+              <a:t>3/26/2020</a:t>
             </a:fld>
             <a:endParaRPr lang="en-US"/>
           </a:p>
@@ -465,7 +494,7 @@
           <a:p>
             <a:fld id="{766927D6-957D-304E-8ACA-BA097D129572}" type="datetimeFigureOut">
               <a:rPr lang="en-US" smtClean="0"/>
-              <a:t>3/26/20</a:t>
+              <a:t>3/26/2020</a:t>
             </a:fld>
             <a:endParaRPr lang="en-US"/>
           </a:p>
@@ -675,7 +704,7 @@
           <a:p>
             <a:fld id="{766927D6-957D-304E-8ACA-BA097D129572}" type="datetimeFigureOut">
               <a:rPr lang="en-US" smtClean="0"/>
-              <a:t>3/26/20</a:t>
+              <a:t>3/26/2020</a:t>
             </a:fld>
             <a:endParaRPr lang="en-US"/>
           </a:p>
@@ -875,7 +904,7 @@
           <a:p>
             <a:fld id="{766927D6-957D-304E-8ACA-BA097D129572}" type="datetimeFigureOut">
               <a:rPr lang="en-US" smtClean="0"/>
-              <a:t>3/26/20</a:t>
+              <a:t>3/26/2020</a:t>
             </a:fld>
             <a:endParaRPr lang="en-US"/>
           </a:p>
@@ -1181,7 +1210,7 @@
           <a:p>
             <a:fld id="{766927D6-957D-304E-8ACA-BA097D129572}" type="datetimeFigureOut">
               <a:rPr lang="en-US" smtClean="0"/>
-              <a:t>3/26/20</a:t>
+              <a:t>3/26/2020</a:t>
             </a:fld>
             <a:endParaRPr lang="en-US"/>
           </a:p>
@@ -1449,7 +1478,7 @@
           <a:p>
             <a:fld id="{766927D6-957D-304E-8ACA-BA097D129572}" type="datetimeFigureOut">
               <a:rPr lang="en-US" smtClean="0"/>
-              <a:t>3/26/20</a:t>
+              <a:t>3/26/2020</a:t>
             </a:fld>
             <a:endParaRPr lang="en-US"/>
           </a:p>
@@ -1864,7 +1893,7 @@
           <a:p>
             <a:fld id="{766927D6-957D-304E-8ACA-BA097D129572}" type="datetimeFigureOut">
               <a:rPr lang="en-US" smtClean="0"/>
-              <a:t>3/26/20</a:t>
+              <a:t>3/26/2020</a:t>
             </a:fld>
             <a:endParaRPr lang="en-US"/>
           </a:p>
@@ -2006,7 +2035,7 @@
           <a:p>
             <a:fld id="{766927D6-957D-304E-8ACA-BA097D129572}" type="datetimeFigureOut">
               <a:rPr lang="en-US" smtClean="0"/>
-              <a:t>3/26/20</a:t>
+              <a:t>3/26/2020</a:t>
             </a:fld>
             <a:endParaRPr lang="en-US"/>
           </a:p>
@@ -2119,7 +2148,7 @@
           <a:p>
             <a:fld id="{766927D6-957D-304E-8ACA-BA097D129572}" type="datetimeFigureOut">
               <a:rPr lang="en-US" smtClean="0"/>
-              <a:t>3/26/20</a:t>
+              <a:t>3/26/2020</a:t>
             </a:fld>
             <a:endParaRPr lang="en-US"/>
           </a:p>
@@ -2432,7 +2461,7 @@
           <a:p>
             <a:fld id="{766927D6-957D-304E-8ACA-BA097D129572}" type="datetimeFigureOut">
               <a:rPr lang="en-US" smtClean="0"/>
-              <a:t>3/26/20</a:t>
+              <a:t>3/26/2020</a:t>
             </a:fld>
             <a:endParaRPr lang="en-US"/>
           </a:p>
@@ -2721,7 +2750,7 @@
           <a:p>
             <a:fld id="{766927D6-957D-304E-8ACA-BA097D129572}" type="datetimeFigureOut">
               <a:rPr lang="en-US" smtClean="0"/>
-              <a:t>3/26/20</a:t>
+              <a:t>3/26/2020</a:t>
             </a:fld>
             <a:endParaRPr lang="en-US"/>
           </a:p>
@@ -2964,7 +2993,7 @@
           <a:p>
             <a:fld id="{766927D6-957D-304E-8ACA-BA097D129572}" type="datetimeFigureOut">
               <a:rPr lang="en-US" smtClean="0"/>
-              <a:t>3/26/20</a:t>
+              <a:t>3/26/2020</a:t>
             </a:fld>
             <a:endParaRPr lang="en-US"/>
           </a:p>
@@ -4026,7 +4055,7 @@
         </p:blipFill>
         <p:spPr>
           <a:xfrm>
-            <a:off x="4762" y="0"/>
+            <a:off x="-1" y="65314"/>
             <a:ext cx="12182475" cy="6858000"/>
           </a:xfrm>
           <a:prstGeom prst="rect">
@@ -4389,7 +4418,7 @@
           <a:bodyPr/>
           <a:lstStyle/>
           <a:p>
-            <a:endParaRPr lang="en-US"/>
+            <a:endParaRPr lang="en-US" dirty="0"/>
           </a:p>
         </p:txBody>
       </p:sp>

--- a/content/CAF/0. Introduction.pptx
+++ b/content/CAF/0. Introduction.pptx
@@ -5,11 +5,12 @@
     <p:sldMasterId id="2147483648" r:id="rId1"/>
   </p:sldMasterIdLst>
   <p:sldIdLst>
-    <p:sldId id="633" r:id="rId2"/>
-    <p:sldId id="257" r:id="rId3"/>
-    <p:sldId id="259" r:id="rId4"/>
-    <p:sldId id="260" r:id="rId5"/>
-    <p:sldId id="258" r:id="rId6"/>
+    <p:sldId id="634" r:id="rId2"/>
+    <p:sldId id="633" r:id="rId3"/>
+    <p:sldId id="257" r:id="rId4"/>
+    <p:sldId id="259" r:id="rId5"/>
+    <p:sldId id="260" r:id="rId6"/>
+    <p:sldId id="258" r:id="rId7"/>
   </p:sldIdLst>
   <p:sldSz cx="12192000" cy="6858000"/>
   <p:notesSz cx="6858000" cy="9144000"/>
@@ -3481,6 +3482,219 @@
         </p:spPr>
         <p:txBody>
           <a:bodyPr>
+            <a:normAutofit lnSpcReduction="10000"/>
+          </a:bodyPr>
+          <a:lstStyle/>
+          <a:p>
+            <a:endParaRPr lang="en-US" dirty="0"/>
+          </a:p>
+          <a:p>
+            <a:r>
+              <a:rPr lang="en-US" dirty="0">
+                <a:solidFill>
+                  <a:schemeClr val="bg1"/>
+                </a:solidFill>
+              </a:rPr>
+              <a:t>Today is Friday 27 March 2020</a:t>
+            </a:r>
+          </a:p>
+          <a:p>
+            <a:r>
+              <a:rPr lang="en-US" dirty="0">
+                <a:solidFill>
+                  <a:schemeClr val="bg1"/>
+                </a:solidFill>
+              </a:rPr>
+              <a:t>We will start at informally at 08:45</a:t>
+            </a:r>
+          </a:p>
+          <a:p>
+            <a:r>
+              <a:rPr lang="en-US">
+                <a:solidFill>
+                  <a:schemeClr val="bg1"/>
+                </a:solidFill>
+              </a:rPr>
+              <a:t>We still start presenting 09:00 </a:t>
+            </a:r>
+            <a:r>
+              <a:rPr lang="en-US" dirty="0">
+                <a:solidFill>
+                  <a:schemeClr val="bg1"/>
+                </a:solidFill>
+              </a:rPr>
+              <a:t>and end at 12:00</a:t>
+            </a:r>
+          </a:p>
+          <a:p>
+            <a:endParaRPr lang="en-US" dirty="0">
+              <a:solidFill>
+                <a:schemeClr val="bg1"/>
+              </a:solidFill>
+            </a:endParaRPr>
+          </a:p>
+        </p:txBody>
+      </p:sp>
+      <p:pic>
+        <p:nvPicPr>
+          <p:cNvPr id="5" name="Picture 4">
+            <a:extLst>
+              <a:ext uri="{FF2B5EF4-FFF2-40B4-BE49-F238E27FC236}">
+                <a16:creationId xmlns:a16="http://schemas.microsoft.com/office/drawing/2014/main" id="{33534379-F695-7F4C-A1BD-46C8979FF484}"/>
+              </a:ext>
+            </a:extLst>
+          </p:cNvPr>
+          <p:cNvPicPr>
+            <a:picLocks noChangeAspect="1"/>
+          </p:cNvPicPr>
+          <p:nvPr/>
+        </p:nvPicPr>
+        <p:blipFill>
+          <a:blip r:embed="rId3"/>
+          <a:stretch>
+            <a:fillRect/>
+          </a:stretch>
+        </p:blipFill>
+        <p:spPr>
+          <a:xfrm>
+            <a:off x="0" y="-336331"/>
+            <a:ext cx="11786899" cy="3982683"/>
+          </a:xfrm>
+          <a:prstGeom prst="rect">
+            <a:avLst/>
+          </a:prstGeom>
+        </p:spPr>
+      </p:pic>
+    </p:spTree>
+    <p:extLst>
+      <p:ext uri="{BB962C8B-B14F-4D97-AF65-F5344CB8AC3E}">
+        <p14:creationId xmlns:p14="http://schemas.microsoft.com/office/powerpoint/2010/main" val="13282013"/>
+      </p:ext>
+    </p:extLst>
+  </p:cSld>
+  <p:clrMapOvr>
+    <a:masterClrMapping/>
+  </p:clrMapOvr>
+</p:sld>
+</file>
+
+<file path=ppt/slides/slide2.xml><?xml version="1.0" encoding="utf-8"?>
+<p:sld xmlns:a="http://schemas.openxmlformats.org/drawingml/2006/main" xmlns:r="http://schemas.openxmlformats.org/officeDocument/2006/relationships" xmlns:p="http://schemas.openxmlformats.org/presentationml/2006/main">
+  <p:cSld>
+    <p:spTree>
+      <p:nvGrpSpPr>
+        <p:cNvPr id="1" name=""/>
+        <p:cNvGrpSpPr/>
+        <p:nvPr/>
+      </p:nvGrpSpPr>
+      <p:grpSpPr>
+        <a:xfrm>
+          <a:off x="0" y="0"/>
+          <a:ext cx="0" cy="0"/>
+          <a:chOff x="0" y="0"/>
+          <a:chExt cx="0" cy="0"/>
+        </a:xfrm>
+      </p:grpSpPr>
+      <p:pic>
+        <p:nvPicPr>
+          <p:cNvPr id="6" name="Picture 5" descr="A close up of a logo&#10;&#10;Description automatically generated">
+            <a:extLst>
+              <a:ext uri="{FF2B5EF4-FFF2-40B4-BE49-F238E27FC236}">
+                <a16:creationId xmlns:a16="http://schemas.microsoft.com/office/drawing/2014/main" id="{FB64AF40-9FC0-1A4C-8097-EC8807B03CAB}"/>
+              </a:ext>
+            </a:extLst>
+          </p:cNvPr>
+          <p:cNvPicPr>
+            <a:picLocks noChangeAspect="1"/>
+          </p:cNvPicPr>
+          <p:nvPr/>
+        </p:nvPicPr>
+        <p:blipFill>
+          <a:blip r:embed="rId2"/>
+          <a:stretch>
+            <a:fillRect/>
+          </a:stretch>
+        </p:blipFill>
+        <p:spPr>
+          <a:xfrm>
+            <a:off x="4762" y="0"/>
+            <a:ext cx="12182475" cy="6858000"/>
+          </a:xfrm>
+          <a:prstGeom prst="rect">
+            <a:avLst/>
+          </a:prstGeom>
+        </p:spPr>
+      </p:pic>
+      <p:sp>
+        <p:nvSpPr>
+          <p:cNvPr id="2" name="Title 1">
+            <a:extLst>
+              <a:ext uri="{FF2B5EF4-FFF2-40B4-BE49-F238E27FC236}">
+                <a16:creationId xmlns:a16="http://schemas.microsoft.com/office/drawing/2014/main" id="{818F06F4-CACF-A44D-A083-5AE9783A19B0}"/>
+              </a:ext>
+            </a:extLst>
+          </p:cNvPr>
+          <p:cNvSpPr>
+            <a:spLocks noGrp="1"/>
+          </p:cNvSpPr>
+          <p:nvPr>
+            <p:ph type="ctrTitle"/>
+          </p:nvPr>
+        </p:nvSpPr>
+        <p:spPr>
+          <a:xfrm>
+            <a:off x="1524000" y="3928119"/>
+            <a:ext cx="9144000" cy="926663"/>
+          </a:xfrm>
+        </p:spPr>
+        <p:txBody>
+          <a:bodyPr>
+            <a:normAutofit/>
+          </a:bodyPr>
+          <a:lstStyle/>
+          <a:p>
+            <a:r>
+              <a:rPr lang="en-US" dirty="0">
+                <a:ln>
+                  <a:solidFill>
+                    <a:schemeClr val="bg1">
+                      <a:lumMod val="50000"/>
+                    </a:schemeClr>
+                  </a:solidFill>
+                </a:ln>
+                <a:solidFill>
+                  <a:srgbClr val="F05478"/>
+                </a:solidFill>
+              </a:rPr>
+              <a:t>Welcome !</a:t>
+            </a:r>
+          </a:p>
+        </p:txBody>
+      </p:sp>
+      <p:sp>
+        <p:nvSpPr>
+          <p:cNvPr id="3" name="Subtitle 2">
+            <a:extLst>
+              <a:ext uri="{FF2B5EF4-FFF2-40B4-BE49-F238E27FC236}">
+                <a16:creationId xmlns:a16="http://schemas.microsoft.com/office/drawing/2014/main" id="{8C9CDF67-DB8E-D142-9791-876662EF56EC}"/>
+              </a:ext>
+            </a:extLst>
+          </p:cNvPr>
+          <p:cNvSpPr>
+            <a:spLocks noGrp="1"/>
+          </p:cNvSpPr>
+          <p:nvPr>
+            <p:ph type="subTitle" idx="1"/>
+          </p:nvPr>
+        </p:nvSpPr>
+        <p:spPr>
+          <a:xfrm>
+            <a:off x="1524000" y="4737155"/>
+            <a:ext cx="9144000" cy="1655762"/>
+          </a:xfrm>
+        </p:spPr>
+        <p:txBody>
+          <a:bodyPr>
             <a:normAutofit/>
           </a:bodyPr>
           <a:lstStyle/>
@@ -3559,7 +3773,7 @@
 </p:sld>
 </file>
 
-<file path=ppt/slides/slide2.xml><?xml version="1.0" encoding="utf-8"?>
+<file path=ppt/slides/slide3.xml><?xml version="1.0" encoding="utf-8"?>
 <p:sld xmlns:a="http://schemas.openxmlformats.org/drawingml/2006/main" xmlns:r="http://schemas.openxmlformats.org/officeDocument/2006/relationships" xmlns:p="http://schemas.openxmlformats.org/presentationml/2006/main">
   <p:cSld>
     <p:spTree>
@@ -3684,141 +3898,6 @@
     <p:extLst>
       <p:ext uri="{BB962C8B-B14F-4D97-AF65-F5344CB8AC3E}">
         <p14:creationId xmlns:p14="http://schemas.microsoft.com/office/powerpoint/2010/main" val="3737736050"/>
-      </p:ext>
-    </p:extLst>
-  </p:cSld>
-  <p:clrMapOvr>
-    <a:masterClrMapping/>
-  </p:clrMapOvr>
-</p:sld>
-</file>
-
-<file path=ppt/slides/slide3.xml><?xml version="1.0" encoding="utf-8"?>
-<p:sld xmlns:a="http://schemas.openxmlformats.org/drawingml/2006/main" xmlns:r="http://schemas.openxmlformats.org/officeDocument/2006/relationships" xmlns:p="http://schemas.openxmlformats.org/presentationml/2006/main">
-  <p:cSld>
-    <p:spTree>
-      <p:nvGrpSpPr>
-        <p:cNvPr id="1" name=""/>
-        <p:cNvGrpSpPr/>
-        <p:nvPr/>
-      </p:nvGrpSpPr>
-      <p:grpSpPr>
-        <a:xfrm>
-          <a:off x="0" y="0"/>
-          <a:ext cx="0" cy="0"/>
-          <a:chOff x="0" y="0"/>
-          <a:chExt cx="0" cy="0"/>
-        </a:xfrm>
-      </p:grpSpPr>
-      <p:sp>
-        <p:nvSpPr>
-          <p:cNvPr id="2" name="Title 1">
-            <a:extLst>
-              <a:ext uri="{FF2B5EF4-FFF2-40B4-BE49-F238E27FC236}">
-                <a16:creationId xmlns:a16="http://schemas.microsoft.com/office/drawing/2014/main" id="{6986574F-FD95-4D47-83A2-FD5B8705392B}"/>
-              </a:ext>
-            </a:extLst>
-          </p:cNvPr>
-          <p:cNvSpPr>
-            <a:spLocks noGrp="1"/>
-          </p:cNvSpPr>
-          <p:nvPr>
-            <p:ph type="title"/>
-          </p:nvPr>
-        </p:nvSpPr>
-        <p:spPr/>
-        <p:txBody>
-          <a:bodyPr/>
-          <a:lstStyle/>
-          <a:p>
-            <a:r>
-              <a:rPr lang="en-US" dirty="0"/>
-              <a:t>Why Cloud Fridays</a:t>
-            </a:r>
-          </a:p>
-        </p:txBody>
-      </p:sp>
-      <p:pic>
-        <p:nvPicPr>
-          <p:cNvPr id="4" name="Picture 3" descr="A close up of a logo&#10;&#10;Description automatically generated">
-            <a:extLst>
-              <a:ext uri="{FF2B5EF4-FFF2-40B4-BE49-F238E27FC236}">
-                <a16:creationId xmlns:a16="http://schemas.microsoft.com/office/drawing/2014/main" id="{A60F1560-96CD-9C47-8B08-49739F7AE364}"/>
-              </a:ext>
-            </a:extLst>
-          </p:cNvPr>
-          <p:cNvPicPr>
-            <a:picLocks noChangeAspect="1"/>
-          </p:cNvPicPr>
-          <p:nvPr/>
-        </p:nvPicPr>
-        <p:blipFill>
-          <a:blip r:embed="rId2"/>
-          <a:stretch>
-            <a:fillRect/>
-          </a:stretch>
-        </p:blipFill>
-        <p:spPr>
-          <a:xfrm>
-            <a:off x="4762" y="0"/>
-            <a:ext cx="12182475" cy="6858000"/>
-          </a:xfrm>
-          <a:prstGeom prst="rect">
-            <a:avLst/>
-          </a:prstGeom>
-        </p:spPr>
-      </p:pic>
-      <p:sp>
-        <p:nvSpPr>
-          <p:cNvPr id="3" name="Content Placeholder 2">
-            <a:extLst>
-              <a:ext uri="{FF2B5EF4-FFF2-40B4-BE49-F238E27FC236}">
-                <a16:creationId xmlns:a16="http://schemas.microsoft.com/office/drawing/2014/main" id="{78251482-5800-CA42-9155-1021D8C2617A}"/>
-              </a:ext>
-            </a:extLst>
-          </p:cNvPr>
-          <p:cNvSpPr>
-            <a:spLocks noGrp="1"/>
-          </p:cNvSpPr>
-          <p:nvPr>
-            <p:ph idx="1"/>
-          </p:nvPr>
-        </p:nvSpPr>
-        <p:spPr/>
-        <p:txBody>
-          <a:bodyPr/>
-          <a:lstStyle/>
-          <a:p>
-            <a:r>
-              <a:rPr lang="en-US" dirty="0"/>
-              <a:t>Ongoing Community </a:t>
-            </a:r>
-            <a:r>
-              <a:rPr lang="en-ZA" dirty="0">
-                <a:hlinkClick r:id="rId3"/>
-              </a:rPr>
-              <a:t>https://www.meetup.com/Cloud-Fridays/</a:t>
-            </a:r>
-            <a:endParaRPr lang="en-US" dirty="0"/>
-          </a:p>
-          <a:p>
-            <a:r>
-              <a:rPr lang="en-US" dirty="0"/>
-              <a:t>Education</a:t>
-            </a:r>
-          </a:p>
-          <a:p>
-            <a:r>
-              <a:rPr lang="en-US" dirty="0"/>
-              <a:t>Office hours</a:t>
-            </a:r>
-          </a:p>
-        </p:txBody>
-      </p:sp>
-    </p:spTree>
-    <p:extLst>
-      <p:ext uri="{BB962C8B-B14F-4D97-AF65-F5344CB8AC3E}">
-        <p14:creationId xmlns:p14="http://schemas.microsoft.com/office/powerpoint/2010/main" val="1201018976"/>
       </p:ext>
     </p:extLst>
   </p:cSld>
@@ -3845,12 +3924,40 @@
           <a:chExt cx="0" cy="0"/>
         </a:xfrm>
       </p:grpSpPr>
+      <p:sp>
+        <p:nvSpPr>
+          <p:cNvPr id="2" name="Title 1">
+            <a:extLst>
+              <a:ext uri="{FF2B5EF4-FFF2-40B4-BE49-F238E27FC236}">
+                <a16:creationId xmlns:a16="http://schemas.microsoft.com/office/drawing/2014/main" id="{6986574F-FD95-4D47-83A2-FD5B8705392B}"/>
+              </a:ext>
+            </a:extLst>
+          </p:cNvPr>
+          <p:cNvSpPr>
+            <a:spLocks noGrp="1"/>
+          </p:cNvSpPr>
+          <p:nvPr>
+            <p:ph type="title"/>
+          </p:nvPr>
+        </p:nvSpPr>
+        <p:spPr/>
+        <p:txBody>
+          <a:bodyPr/>
+          <a:lstStyle/>
+          <a:p>
+            <a:r>
+              <a:rPr lang="en-US" dirty="0"/>
+              <a:t>Why Cloud Fridays</a:t>
+            </a:r>
+          </a:p>
+        </p:txBody>
+      </p:sp>
       <p:pic>
         <p:nvPicPr>
           <p:cNvPr id="4" name="Picture 3" descr="A close up of a logo&#10;&#10;Description automatically generated">
             <a:extLst>
               <a:ext uri="{FF2B5EF4-FFF2-40B4-BE49-F238E27FC236}">
-                <a16:creationId xmlns:a16="http://schemas.microsoft.com/office/drawing/2014/main" id="{707CAD41-BA35-DB4E-B92C-2AA6A81AE5AC}"/>
+                <a16:creationId xmlns:a16="http://schemas.microsoft.com/office/drawing/2014/main" id="{A60F1560-96CD-9C47-8B08-49739F7AE364}"/>
               </a:ext>
             </a:extLst>
           </p:cNvPr>
@@ -3877,6 +3984,113 @@
       </p:pic>
       <p:sp>
         <p:nvSpPr>
+          <p:cNvPr id="3" name="Content Placeholder 2">
+            <a:extLst>
+              <a:ext uri="{FF2B5EF4-FFF2-40B4-BE49-F238E27FC236}">
+                <a16:creationId xmlns:a16="http://schemas.microsoft.com/office/drawing/2014/main" id="{78251482-5800-CA42-9155-1021D8C2617A}"/>
+              </a:ext>
+            </a:extLst>
+          </p:cNvPr>
+          <p:cNvSpPr>
+            <a:spLocks noGrp="1"/>
+          </p:cNvSpPr>
+          <p:nvPr>
+            <p:ph idx="1"/>
+          </p:nvPr>
+        </p:nvSpPr>
+        <p:spPr/>
+        <p:txBody>
+          <a:bodyPr/>
+          <a:lstStyle/>
+          <a:p>
+            <a:r>
+              <a:rPr lang="en-US" dirty="0"/>
+              <a:t>Ongoing Community </a:t>
+            </a:r>
+            <a:r>
+              <a:rPr lang="en-ZA" dirty="0">
+                <a:hlinkClick r:id="rId3"/>
+              </a:rPr>
+              <a:t>https://www.meetup.com/Cloud-Fridays/</a:t>
+            </a:r>
+            <a:endParaRPr lang="en-US" dirty="0"/>
+          </a:p>
+          <a:p>
+            <a:r>
+              <a:rPr lang="en-US" dirty="0"/>
+              <a:t>Education</a:t>
+            </a:r>
+          </a:p>
+          <a:p>
+            <a:r>
+              <a:rPr lang="en-US" dirty="0"/>
+              <a:t>Office hours</a:t>
+            </a:r>
+          </a:p>
+        </p:txBody>
+      </p:sp>
+    </p:spTree>
+    <p:extLst>
+      <p:ext uri="{BB962C8B-B14F-4D97-AF65-F5344CB8AC3E}">
+        <p14:creationId xmlns:p14="http://schemas.microsoft.com/office/powerpoint/2010/main" val="1201018976"/>
+      </p:ext>
+    </p:extLst>
+  </p:cSld>
+  <p:clrMapOvr>
+    <a:masterClrMapping/>
+  </p:clrMapOvr>
+</p:sld>
+</file>
+
+<file path=ppt/slides/slide5.xml><?xml version="1.0" encoding="utf-8"?>
+<p:sld xmlns:a="http://schemas.openxmlformats.org/drawingml/2006/main" xmlns:r="http://schemas.openxmlformats.org/officeDocument/2006/relationships" xmlns:p="http://schemas.openxmlformats.org/presentationml/2006/main">
+  <p:cSld>
+    <p:spTree>
+      <p:nvGrpSpPr>
+        <p:cNvPr id="1" name=""/>
+        <p:cNvGrpSpPr/>
+        <p:nvPr/>
+      </p:nvGrpSpPr>
+      <p:grpSpPr>
+        <a:xfrm>
+          <a:off x="0" y="0"/>
+          <a:ext cx="0" cy="0"/>
+          <a:chOff x="0" y="0"/>
+          <a:chExt cx="0" cy="0"/>
+        </a:xfrm>
+      </p:grpSpPr>
+      <p:pic>
+        <p:nvPicPr>
+          <p:cNvPr id="4" name="Picture 3" descr="A close up of a logo&#10;&#10;Description automatically generated">
+            <a:extLst>
+              <a:ext uri="{FF2B5EF4-FFF2-40B4-BE49-F238E27FC236}">
+                <a16:creationId xmlns:a16="http://schemas.microsoft.com/office/drawing/2014/main" id="{707CAD41-BA35-DB4E-B92C-2AA6A81AE5AC}"/>
+              </a:ext>
+            </a:extLst>
+          </p:cNvPr>
+          <p:cNvPicPr>
+            <a:picLocks noChangeAspect="1"/>
+          </p:cNvPicPr>
+          <p:nvPr/>
+        </p:nvPicPr>
+        <p:blipFill>
+          <a:blip r:embed="rId2"/>
+          <a:stretch>
+            <a:fillRect/>
+          </a:stretch>
+        </p:blipFill>
+        <p:spPr>
+          <a:xfrm>
+            <a:off x="4762" y="0"/>
+            <a:ext cx="12182475" cy="6858000"/>
+          </a:xfrm>
+          <a:prstGeom prst="rect">
+            <a:avLst/>
+          </a:prstGeom>
+        </p:spPr>
+      </p:pic>
+      <p:sp>
+        <p:nvSpPr>
           <p:cNvPr id="2" name="Title 1">
             <a:extLst>
               <a:ext uri="{FF2B5EF4-FFF2-40B4-BE49-F238E27FC236}">
@@ -3933,7 +4147,7 @@
           <a:p>
             <a:pPr fontAlgn="base"/>
             <a:r>
-              <a:rPr lang="en-ZA" strike="sngStrike" dirty="0"/>
+              <a:rPr lang="en-ZA" dirty="0"/>
               <a:t>Toilets</a:t>
             </a:r>
           </a:p>
@@ -3956,6 +4170,20 @@
             <a:r>
               <a:rPr lang="en-ZA" dirty="0"/>
               <a:t>Microsoft Teams</a:t>
+            </a:r>
+          </a:p>
+          <a:p>
+            <a:pPr lvl="1" fontAlgn="base"/>
+            <a:r>
+              <a:rPr lang="en-ZA" dirty="0"/>
+              <a:t>Ask questions in Chat</a:t>
+            </a:r>
+          </a:p>
+          <a:p>
+            <a:pPr lvl="1" fontAlgn="base"/>
+            <a:r>
+              <a:rPr lang="en-ZA" dirty="0"/>
+              <a:t>Moderator will collate for Q&amp;A during the session</a:t>
             </a:r>
           </a:p>
           <a:p>
@@ -3979,7 +4207,7 @@
 </p:sld>
 </file>
 
-<file path=ppt/slides/slide5.xml><?xml version="1.0" encoding="utf-8"?>
+<file path=ppt/slides/slide6.xml><?xml version="1.0" encoding="utf-8"?>
 <p:sld xmlns:a="http://schemas.openxmlformats.org/drawingml/2006/main" xmlns:r="http://schemas.openxmlformats.org/officeDocument/2006/relationships" xmlns:p="http://schemas.openxmlformats.org/presentationml/2006/main">
   <p:cSld>
     <p:bg>
@@ -4026,7 +4254,7 @@
         </p:blipFill>
         <p:spPr>
           <a:xfrm>
-            <a:off x="4762" y="0"/>
+            <a:off x="4762" y="128587"/>
             <a:ext cx="12182475" cy="6858000"/>
           </a:xfrm>
           <a:prstGeom prst="rect">
@@ -4251,7 +4479,7 @@
                 </a:solidFill>
                 <a:latin typeface="Graphik Meetup"/>
               </a:rPr>
-              <a:t>08:30 - 08:55 - Arrivals and Coffee</a:t>
+              <a:t>08:45 - 08:55 – Teams Dial in and Coffee at your OWN HOUSE</a:t>
             </a:r>
             <a:br>
               <a:rPr lang="en-ZA" dirty="0"/>
@@ -4365,31 +4593,6 @@
               <a:t>12:00 - 13:00: Panel Q&amp;A and LUNCH!</a:t>
             </a:r>
             <a:endParaRPr lang="en-US" dirty="0"/>
-          </a:p>
-        </p:txBody>
-      </p:sp>
-      <p:sp>
-        <p:nvSpPr>
-          <p:cNvPr id="5" name="Content Placeholder 4">
-            <a:extLst>
-              <a:ext uri="{FF2B5EF4-FFF2-40B4-BE49-F238E27FC236}">
-                <a16:creationId xmlns:a16="http://schemas.microsoft.com/office/drawing/2014/main" id="{058FEFFC-DE50-BE43-9315-7980689857C5}"/>
-              </a:ext>
-            </a:extLst>
-          </p:cNvPr>
-          <p:cNvSpPr>
-            <a:spLocks noGrp="1"/>
-          </p:cNvSpPr>
-          <p:nvPr>
-            <p:ph idx="1"/>
-          </p:nvPr>
-        </p:nvSpPr>
-        <p:spPr/>
-        <p:txBody>
-          <a:bodyPr/>
-          <a:lstStyle/>
-          <a:p>
-            <a:endParaRPr lang="en-US"/>
           </a:p>
         </p:txBody>
       </p:sp>
